--- a/Unit-12/Dane_Holmes_Live_Session_12.pptx
+++ b/Unit-12/Dane_Holmes_Live_Session_12.pptx
@@ -117,7 +117,7 @@
 <file path=ppt/revisionInfo.xml><?xml version="1.0" encoding="utf-8"?>
 <p1510:revInfo xmlns:a="http://schemas.openxmlformats.org/drawingml/2006/main" xmlns:r="http://schemas.openxmlformats.org/officeDocument/2006/relationships" xmlns:p1510="http://schemas.microsoft.com/office/powerpoint/2015/10/main">
   <p1510:revLst>
-    <p1510:client id="{614EFD59-D3ED-48C6-9BB9-C695FEE0950A}" v="2" dt="2022-01-18T05:27:49.666"/>
+    <p1510:client id="{614EFD59-D3ED-48C6-9BB9-C695FEE0950A}" v="3" dt="2022-01-18T05:29:26.233"/>
   </p1510:revLst>
 </p1510:revInfo>
 </file>
@@ -994,7 +994,7 @@
   <pc:docChgLst>
     <pc:chgData name="Dane Holmes" userId="9738715a2d075a3d" providerId="LiveId" clId="{614EFD59-D3ED-48C6-9BB9-C695FEE0950A}"/>
     <pc:docChg chg="undo custSel delSld modSld">
-      <pc:chgData name="Dane Holmes" userId="9738715a2d075a3d" providerId="LiveId" clId="{614EFD59-D3ED-48C6-9BB9-C695FEE0950A}" dt="2022-01-18T05:27:46.647" v="874" actId="14100"/>
+      <pc:chgData name="Dane Holmes" userId="9738715a2d075a3d" providerId="LiveId" clId="{614EFD59-D3ED-48C6-9BB9-C695FEE0950A}" dt="2022-01-18T05:29:22.131" v="876" actId="20577"/>
       <pc:docMkLst>
         <pc:docMk/>
       </pc:docMkLst>
@@ -1029,13 +1029,13 @@
         </pc:spChg>
       </pc:sldChg>
       <pc:sldChg chg="addSp delSp modSp mod">
-        <pc:chgData name="Dane Holmes" userId="9738715a2d075a3d" providerId="LiveId" clId="{614EFD59-D3ED-48C6-9BB9-C695FEE0950A}" dt="2022-01-18T05:27:46.647" v="874" actId="14100"/>
+        <pc:chgData name="Dane Holmes" userId="9738715a2d075a3d" providerId="LiveId" clId="{614EFD59-D3ED-48C6-9BB9-C695FEE0950A}" dt="2022-01-18T05:29:22.131" v="876" actId="20577"/>
         <pc:sldMkLst>
           <pc:docMk/>
           <pc:sldMk cId="4262548304" sldId="284"/>
         </pc:sldMkLst>
         <pc:spChg chg="add mod">
-          <ac:chgData name="Dane Holmes" userId="9738715a2d075a3d" providerId="LiveId" clId="{614EFD59-D3ED-48C6-9BB9-C695FEE0950A}" dt="2022-01-18T05:27:46.647" v="874" actId="14100"/>
+          <ac:chgData name="Dane Holmes" userId="9738715a2d075a3d" providerId="LiveId" clId="{614EFD59-D3ED-48C6-9BB9-C695FEE0950A}" dt="2022-01-18T05:29:22.131" v="876" actId="20577"/>
           <ac:spMkLst>
             <pc:docMk/>
             <pc:sldMk cId="4262548304" sldId="284"/>
@@ -9837,10 +9837,28 @@
           </a:p>
           <a:p>
             <a:r>
+              <a:rPr lang="en-US" dirty="0" err="1">
+                <a:hlinkClick r:id="rId2"/>
+              </a:rPr>
+              <a:t>Doing_Data_Science</a:t>
+            </a:r>
+            <a:r>
               <a:rPr lang="en-US" dirty="0">
                 <a:hlinkClick r:id="rId2"/>
               </a:rPr>
-              <a:t>cdholmes11/Doing_Data_Science: Supporting material for MSDS 6306 - Doing Data Science (github.com)</a:t>
+              <a:t>/Unit-12 at main · cdholmes11/</a:t>
+            </a:r>
+            <a:r>
+              <a:rPr lang="en-US" dirty="0" err="1">
+                <a:hlinkClick r:id="rId2"/>
+              </a:rPr>
+              <a:t>Doing_Data_Science</a:t>
+            </a:r>
+            <a:r>
+              <a:rPr lang="en-US" dirty="0">
+                <a:hlinkClick r:id="rId2"/>
+              </a:rPr>
+              <a:t> (github.com)</a:t>
             </a:r>
             <a:endParaRPr lang="en-US" dirty="0"/>
           </a:p>

--- a/Unit-12/Dane_Holmes_Live_Session_12.pptx
+++ b/Unit-12/Dane_Holmes_Live_Session_12.pptx
@@ -994,7 +994,7 @@
   <pc:docChgLst>
     <pc:chgData name="Dane Holmes" userId="9738715a2d075a3d" providerId="LiveId" clId="{614EFD59-D3ED-48C6-9BB9-C695FEE0950A}"/>
     <pc:docChg chg="undo custSel delSld modSld">
-      <pc:chgData name="Dane Holmes" userId="9738715a2d075a3d" providerId="LiveId" clId="{614EFD59-D3ED-48C6-9BB9-C695FEE0950A}" dt="2022-01-18T05:29:22.131" v="876" actId="20577"/>
+      <pc:chgData name="Dane Holmes" userId="9738715a2d075a3d" providerId="LiveId" clId="{614EFD59-D3ED-48C6-9BB9-C695FEE0950A}" dt="2022-01-19T23:59:33.188" v="1056" actId="20577"/>
       <pc:docMkLst>
         <pc:docMk/>
       </pc:docMkLst>
@@ -1014,13 +1014,13 @@
         </pc:spChg>
       </pc:sldChg>
       <pc:sldChg chg="modSp mod">
-        <pc:chgData name="Dane Holmes" userId="9738715a2d075a3d" providerId="LiveId" clId="{614EFD59-D3ED-48C6-9BB9-C695FEE0950A}" dt="2022-01-18T05:18:42.040" v="768" actId="20577"/>
+        <pc:chgData name="Dane Holmes" userId="9738715a2d075a3d" providerId="LiveId" clId="{614EFD59-D3ED-48C6-9BB9-C695FEE0950A}" dt="2022-01-19T23:59:33.188" v="1056" actId="20577"/>
         <pc:sldMkLst>
           <pc:docMk/>
           <pc:sldMk cId="1473360199" sldId="262"/>
         </pc:sldMkLst>
         <pc:spChg chg="mod">
-          <ac:chgData name="Dane Holmes" userId="9738715a2d075a3d" providerId="LiveId" clId="{614EFD59-D3ED-48C6-9BB9-C695FEE0950A}" dt="2022-01-18T05:18:42.040" v="768" actId="20577"/>
+          <ac:chgData name="Dane Holmes" userId="9738715a2d075a3d" providerId="LiveId" clId="{614EFD59-D3ED-48C6-9BB9-C695FEE0950A}" dt="2022-01-19T23:59:33.188" v="1056" actId="20577"/>
           <ac:spMkLst>
             <pc:docMk/>
             <pc:sldMk cId="1473360199" sldId="262"/>
@@ -1029,13 +1029,13 @@
         </pc:spChg>
       </pc:sldChg>
       <pc:sldChg chg="addSp delSp modSp mod">
-        <pc:chgData name="Dane Holmes" userId="9738715a2d075a3d" providerId="LiveId" clId="{614EFD59-D3ED-48C6-9BB9-C695FEE0950A}" dt="2022-01-18T05:29:22.131" v="876" actId="20577"/>
+        <pc:chgData name="Dane Holmes" userId="9738715a2d075a3d" providerId="LiveId" clId="{614EFD59-D3ED-48C6-9BB9-C695FEE0950A}" dt="2022-01-19T23:58:43.089" v="889"/>
         <pc:sldMkLst>
           <pc:docMk/>
           <pc:sldMk cId="4262548304" sldId="284"/>
         </pc:sldMkLst>
         <pc:spChg chg="add mod">
-          <ac:chgData name="Dane Holmes" userId="9738715a2d075a3d" providerId="LiveId" clId="{614EFD59-D3ED-48C6-9BB9-C695FEE0950A}" dt="2022-01-18T05:29:22.131" v="876" actId="20577"/>
+          <ac:chgData name="Dane Holmes" userId="9738715a2d075a3d" providerId="LiveId" clId="{614EFD59-D3ED-48C6-9BB9-C695FEE0950A}" dt="2022-01-19T23:58:43.089" v="889"/>
           <ac:spMkLst>
             <pc:docMk/>
             <pc:sldMk cId="4262548304" sldId="284"/>
@@ -5128,7 +5128,7 @@
           <a:p>
             <a:fld id="{6A4B53A7-3209-46A6-9454-F38EAC8F11E7}" type="datetimeFigureOut">
               <a:rPr lang="en-US" smtClean="0"/>
-              <a:t>1/17/2022</a:t>
+              <a:t>1/19/2022</a:t>
             </a:fld>
             <a:endParaRPr lang="en-US"/>
           </a:p>
@@ -5379,7 +5379,7 @@
           <a:p>
             <a:fld id="{6A4B53A7-3209-46A6-9454-F38EAC8F11E7}" type="datetimeFigureOut">
               <a:rPr lang="en-US" smtClean="0"/>
-              <a:t>1/17/2022</a:t>
+              <a:t>1/19/2022</a:t>
             </a:fld>
             <a:endParaRPr lang="en-US"/>
           </a:p>
@@ -5640,7 +5640,7 @@
           <a:p>
             <a:fld id="{6A4B53A7-3209-46A6-9454-F38EAC8F11E7}" type="datetimeFigureOut">
               <a:rPr lang="en-US" smtClean="0"/>
-              <a:t>1/17/2022</a:t>
+              <a:t>1/19/2022</a:t>
             </a:fld>
             <a:endParaRPr lang="en-US"/>
           </a:p>
@@ -5891,7 +5891,7 @@
           <a:p>
             <a:fld id="{6A4B53A7-3209-46A6-9454-F38EAC8F11E7}" type="datetimeFigureOut">
               <a:rPr lang="en-US" smtClean="0"/>
-              <a:t>1/17/2022</a:t>
+              <a:t>1/19/2022</a:t>
             </a:fld>
             <a:endParaRPr lang="en-US"/>
           </a:p>
@@ -6219,7 +6219,7 @@
           <a:p>
             <a:fld id="{6A4B53A7-3209-46A6-9454-F38EAC8F11E7}" type="datetimeFigureOut">
               <a:rPr lang="en-US" smtClean="0"/>
-              <a:t>1/17/2022</a:t>
+              <a:t>1/19/2022</a:t>
             </a:fld>
             <a:endParaRPr lang="en-US"/>
           </a:p>
@@ -6537,7 +6537,7 @@
           <a:p>
             <a:fld id="{6A4B53A7-3209-46A6-9454-F38EAC8F11E7}" type="datetimeFigureOut">
               <a:rPr lang="en-US" smtClean="0"/>
-              <a:t>1/17/2022</a:t>
+              <a:t>1/19/2022</a:t>
             </a:fld>
             <a:endParaRPr lang="en-US"/>
           </a:p>
@@ -7002,7 +7002,7 @@
           <a:p>
             <a:fld id="{6A4B53A7-3209-46A6-9454-F38EAC8F11E7}" type="datetimeFigureOut">
               <a:rPr lang="en-US" smtClean="0"/>
-              <a:t>1/17/2022</a:t>
+              <a:t>1/19/2022</a:t>
             </a:fld>
             <a:endParaRPr lang="en-US"/>
           </a:p>
@@ -7196,7 +7196,7 @@
           <a:p>
             <a:fld id="{6A4B53A7-3209-46A6-9454-F38EAC8F11E7}" type="datetimeFigureOut">
               <a:rPr lang="en-US" smtClean="0"/>
-              <a:t>1/17/2022</a:t>
+              <a:t>1/19/2022</a:t>
             </a:fld>
             <a:endParaRPr lang="en-US"/>
           </a:p>
@@ -7362,7 +7362,7 @@
           <a:p>
             <a:fld id="{6A4B53A7-3209-46A6-9454-F38EAC8F11E7}" type="datetimeFigureOut">
               <a:rPr lang="en-US" smtClean="0"/>
-              <a:t>1/17/2022</a:t>
+              <a:t>1/19/2022</a:t>
             </a:fld>
             <a:endParaRPr lang="en-US"/>
           </a:p>
@@ -7726,7 +7726,7 @@
           <a:p>
             <a:fld id="{6A4B53A7-3209-46A6-9454-F38EAC8F11E7}" type="datetimeFigureOut">
               <a:rPr lang="en-US" smtClean="0"/>
-              <a:t>1/17/2022</a:t>
+              <a:t>1/19/2022</a:t>
             </a:fld>
             <a:endParaRPr lang="en-US"/>
           </a:p>
@@ -8070,7 +8070,7 @@
           <a:p>
             <a:fld id="{6A4B53A7-3209-46A6-9454-F38EAC8F11E7}" type="datetimeFigureOut">
               <a:rPr lang="en-US" smtClean="0"/>
-              <a:t>1/17/2022</a:t>
+              <a:t>1/19/2022</a:t>
             </a:fld>
             <a:endParaRPr lang="en-US"/>
           </a:p>
@@ -8365,7 +8365,7 @@
             <a:fld id="{6A4B53A7-3209-46A6-9454-F38EAC8F11E7}" type="datetimeFigureOut">
               <a:rPr lang="en-US" smtClean="0"/>
               <a:pPr/>
-              <a:t>1/17/2022</a:t>
+              <a:t>1/19/2022</a:t>
             </a:fld>
             <a:endParaRPr lang="en-US" dirty="0"/>
           </a:p>
@@ -9817,7 +9817,7 @@
         <p:spPr>
           <a:xfrm>
             <a:off x="1380565" y="2014071"/>
-            <a:ext cx="8444753" cy="2585323"/>
+            <a:ext cx="8444753" cy="3693319"/>
           </a:xfrm>
           <a:prstGeom prst="rect">
             <a:avLst/>
@@ -9895,6 +9895,29 @@
                 <a:hlinkClick r:id="rId4"/>
               </a:rPr>
               <a:t>cdholmes11.github.io</a:t>
+            </a:r>
+            <a:endParaRPr lang="en-US" dirty="0"/>
+          </a:p>
+          <a:p>
+            <a:endParaRPr lang="en-US" dirty="0"/>
+          </a:p>
+          <a:p>
+            <a:r>
+              <a:rPr lang="en-US" dirty="0"/>
+              <a:t>Shiny App</a:t>
+            </a:r>
+          </a:p>
+          <a:p>
+            <a:r>
+              <a:rPr lang="en-US" b="0" i="0" u="none" strike="noStrike" dirty="0">
+                <a:solidFill>
+                  <a:srgbClr val="337AB7"/>
+                </a:solidFill>
+                <a:effectLst/>
+                <a:latin typeface="Helvetica Neue"/>
+                <a:hlinkClick r:id="rId5"/>
+              </a:rPr>
+              <a:t>https://cdholmes.shinyapps.io/shiny_app/?_ga=2.257393096.2128050319.1642435086-2098894638.1642435086</a:t>
             </a:r>
             <a:endParaRPr lang="en-US" dirty="0"/>
           </a:p>
@@ -9973,7 +9996,7 @@
         <p:spPr>
           <a:xfrm>
             <a:off x="1214888" y="1626710"/>
-            <a:ext cx="8205694" cy="3693319"/>
+            <a:ext cx="8205694" cy="1477328"/>
           </a:xfrm>
           <a:prstGeom prst="rect">
             <a:avLst/>
@@ -9992,15 +10015,7 @@
             </a:pPr>
             <a:r>
               <a:rPr lang="en-US" dirty="0"/>
-              <a:t>No matter what I did, I could not get the R Shiny app to deploy to my shinyapps.io account. I followed all the steps on the video and worked through the authentication process outlined in the </a:t>
-            </a:r>
-            <a:r>
-              <a:rPr lang="en-US" dirty="0" err="1"/>
-              <a:t>shinyapp</a:t>
-            </a:r>
-            <a:r>
-              <a:rPr lang="en-US" dirty="0"/>
-              <a:t> documentation.</a:t>
+              <a:t>After class, I was able to resolve all the issues I was having previously.</a:t>
             </a:r>
           </a:p>
           <a:p>
@@ -10010,93 +10025,7 @@
             </a:pPr>
             <a:r>
               <a:rPr lang="en-US" dirty="0"/>
-              <a:t>I also couldn’t get R to push my </a:t>
-            </a:r>
-            <a:r>
-              <a:rPr lang="en-US" dirty="0" err="1"/>
-              <a:t>site_libs</a:t>
-            </a:r>
-            <a:r>
-              <a:rPr lang="en-US" dirty="0"/>
-              <a:t> file to </a:t>
-            </a:r>
-            <a:r>
-              <a:rPr lang="en-US" dirty="0" err="1"/>
-              <a:t>github</a:t>
-            </a:r>
-            <a:r>
-              <a:rPr lang="en-US" dirty="0"/>
-              <a:t>. It kept getting hung up.</a:t>
-            </a:r>
-          </a:p>
-          <a:p>
-            <a:pPr marL="742950" lvl="1" indent="-285750">
-              <a:buFont typeface="Arial" panose="020B0604020202020204" pitchFamily="34" charset="0"/>
-              <a:buChar char="•"/>
-            </a:pPr>
-            <a:r>
-              <a:rPr lang="en-US" dirty="0"/>
-              <a:t>I eventually just published the file to </a:t>
-            </a:r>
-            <a:r>
-              <a:rPr lang="en-US" dirty="0" err="1"/>
-              <a:t>github</a:t>
-            </a:r>
-            <a:r>
-              <a:rPr lang="en-US" dirty="0"/>
-              <a:t> manually, but my </a:t>
-            </a:r>
-            <a:r>
-              <a:rPr lang="en-US" dirty="0" err="1"/>
-              <a:t>github</a:t>
-            </a:r>
-            <a:r>
-              <a:rPr lang="en-US" dirty="0"/>
-              <a:t> page was still not showing my html files.</a:t>
-            </a:r>
-          </a:p>
-          <a:p>
-            <a:pPr marL="1200150" lvl="2" indent="-285750">
-              <a:buFont typeface="Arial" panose="020B0604020202020204" pitchFamily="34" charset="0"/>
-              <a:buChar char="•"/>
-            </a:pPr>
-            <a:r>
-              <a:rPr lang="en-US" dirty="0"/>
-              <a:t>I followed the steps directly from the videos, and it just wasn’t working.</a:t>
-            </a:r>
-          </a:p>
-          <a:p>
-            <a:pPr marL="742950" lvl="1" indent="-285750">
-              <a:buFont typeface="Arial" panose="020B0604020202020204" pitchFamily="34" charset="0"/>
-              <a:buChar char="•"/>
-            </a:pPr>
-            <a:r>
-              <a:rPr lang="en-US" dirty="0"/>
-              <a:t>I’ve provided my the link to my </a:t>
-            </a:r>
-            <a:r>
-              <a:rPr lang="en-US" dirty="0" err="1"/>
-              <a:t>rmd</a:t>
-            </a:r>
-            <a:r>
-              <a:rPr lang="en-US" dirty="0"/>
-              <a:t> file for my shiny app as well as the </a:t>
-            </a:r>
-            <a:r>
-              <a:rPr lang="en-US" dirty="0" err="1"/>
-              <a:t>github</a:t>
-            </a:r>
-            <a:r>
-              <a:rPr lang="en-US" dirty="0"/>
-              <a:t> link to my </a:t>
-            </a:r>
-            <a:r>
-              <a:rPr lang="en-US" dirty="0" err="1"/>
-              <a:t>github</a:t>
-            </a:r>
-            <a:r>
-              <a:rPr lang="en-US" dirty="0"/>
-              <a:t> pages repo.</a:t>
+              <a:t>All of the material can be found at the provided links in the previous slide.</a:t>
             </a:r>
           </a:p>
           <a:p>
